--- a/第二组逻辑模型20170914第一版.pptx
+++ b/第二组逻辑模型20170914第一版.pptx
@@ -301,7 +301,7 @@
             <a:fld id="{1D00F9FB-5080-5E4B-80A0-21AAAFB12036}" type="datetimeFigureOut">
               <a:rPr lang="zh-CN" altLang="en-US"/>
               <a:pPr/>
-              <a:t>2017/9/14</a:t>
+              <a:t>2017/9/15</a:t>
             </a:fld>
             <a:endParaRPr lang="zh-CN" altLang="en-US"/>
           </a:p>
@@ -486,7 +486,7 @@
             <a:fld id="{03C39F2A-8141-9E41-93F6-66191A7DD2D3}" type="datetimeFigureOut">
               <a:rPr lang="zh-CN" altLang="en-US"/>
               <a:pPr/>
-              <a:t>2017/9/14</a:t>
+              <a:t>2017/9/15</a:t>
             </a:fld>
             <a:endParaRPr lang="zh-CN" altLang="en-US"/>
           </a:p>
@@ -681,7 +681,7 @@
             <a:fld id="{A7473D9F-E9B3-2F4C-9816-23AF2F204DDC}" type="datetimeFigureOut">
               <a:rPr lang="zh-CN" altLang="en-US"/>
               <a:pPr/>
-              <a:t>2017/9/14</a:t>
+              <a:t>2017/9/15</a:t>
             </a:fld>
             <a:endParaRPr lang="zh-CN" altLang="en-US"/>
           </a:p>
@@ -866,7 +866,7 @@
             <a:fld id="{989F6407-BF86-914C-ADA6-16EAE3B57F00}" type="datetimeFigureOut">
               <a:rPr lang="zh-CN" altLang="en-US"/>
               <a:pPr/>
-              <a:t>2017/9/14</a:t>
+              <a:t>2017/9/15</a:t>
             </a:fld>
             <a:endParaRPr lang="zh-CN" altLang="en-US"/>
           </a:p>
@@ -1074,7 +1074,7 @@
             <a:fld id="{C2BCB646-4F3B-BA4B-ACCA-2AD81AF17150}" type="datetimeFigureOut">
               <a:rPr lang="zh-CN" altLang="en-US"/>
               <a:pPr/>
-              <a:t>2017/9/14</a:t>
+              <a:t>2017/9/15</a:t>
             </a:fld>
             <a:endParaRPr lang="zh-CN" altLang="en-US"/>
           </a:p>
@@ -1320,7 +1320,7 @@
             <a:fld id="{41CBB42B-5DD5-B04D-9C31-91A4B3359D27}" type="datetimeFigureOut">
               <a:rPr lang="zh-CN" altLang="en-US"/>
               <a:pPr/>
-              <a:t>2017/9/14</a:t>
+              <a:t>2017/9/15</a:t>
             </a:fld>
             <a:endParaRPr lang="zh-CN" altLang="en-US"/>
           </a:p>
@@ -1701,7 +1701,7 @@
             <a:fld id="{76A91C22-BD40-AD4C-AA2D-908C13CBD97F}" type="datetimeFigureOut">
               <a:rPr lang="zh-CN" altLang="en-US"/>
               <a:pPr/>
-              <a:t>2017/9/14</a:t>
+              <a:t>2017/9/15</a:t>
             </a:fld>
             <a:endParaRPr lang="zh-CN" altLang="en-US"/>
           </a:p>
@@ -1835,7 +1835,7 @@
             <a:fld id="{586A406C-4124-A44B-AAB3-E28B03A55918}" type="datetimeFigureOut">
               <a:rPr lang="zh-CN" altLang="en-US"/>
               <a:pPr/>
-              <a:t>2017/9/14</a:t>
+              <a:t>2017/9/15</a:t>
             </a:fld>
             <a:endParaRPr lang="zh-CN" altLang="en-US"/>
           </a:p>
@@ -1947,7 +1947,7 @@
             <a:fld id="{2074CD15-5E46-464B-8D08-BFA93B2436DD}" type="datetimeFigureOut">
               <a:rPr lang="zh-CN" altLang="en-US"/>
               <a:pPr/>
-              <a:t>2017/9/14</a:t>
+              <a:t>2017/9/15</a:t>
             </a:fld>
             <a:endParaRPr lang="zh-CN" altLang="en-US"/>
           </a:p>
@@ -2239,7 +2239,7 @@
             <a:fld id="{5F886CCF-1E31-7A43-A4B1-334391A24759}" type="datetimeFigureOut">
               <a:rPr lang="zh-CN" altLang="en-US"/>
               <a:pPr/>
-              <a:t>2017/9/14</a:t>
+              <a:t>2017/9/15</a:t>
             </a:fld>
             <a:endParaRPr lang="zh-CN" altLang="en-US"/>
           </a:p>
@@ -2511,7 +2511,7 @@
             <a:fld id="{4FCD1256-3E51-E542-9EAF-8455297457F0}" type="datetimeFigureOut">
               <a:rPr lang="zh-CN" altLang="en-US"/>
               <a:pPr/>
-              <a:t>2017/9/14</a:t>
+              <a:t>2017/9/15</a:t>
             </a:fld>
             <a:endParaRPr lang="zh-CN" altLang="en-US"/>
           </a:p>
@@ -2650,7 +2650,7 @@
               </a14:hiddenLine>
             </a:ext>
             <a:ext uri="{FAA26D3D-D897-4be2-8F04-BA451C77F1D7}">
-              <ma14:placeholderFlag xmlns="" xmlns:ma14="http://schemas.microsoft.com/office/mac/drawingml/2011/main" val="1"/>
+              <ma14:placeholderFlag xmlns:ma14="http://schemas.microsoft.com/office/mac/drawingml/2011/main" xmlns="" val="1"/>
             </a:ext>
           </a:extLst>
         </p:spPr>
@@ -2711,7 +2711,7 @@
               </a14:hiddenLine>
             </a:ext>
             <a:ext uri="{FAA26D3D-D897-4be2-8F04-BA451C77F1D7}">
-              <ma14:placeholderFlag xmlns="" xmlns:ma14="http://schemas.microsoft.com/office/mac/drawingml/2011/main" val="1"/>
+              <ma14:placeholderFlag xmlns:ma14="http://schemas.microsoft.com/office/mac/drawingml/2011/main" xmlns="" val="1"/>
             </a:ext>
           </a:extLst>
         </p:spPr>
@@ -2800,7 +2800,7 @@
               </a14:hiddenLine>
             </a:ext>
             <a:ext uri="{FAA26D3D-D897-4be2-8F04-BA451C77F1D7}">
-              <ma14:placeholderFlag xmlns="" xmlns:ma14="http://schemas.microsoft.com/office/mac/drawingml/2011/main" val="1"/>
+              <ma14:placeholderFlag xmlns:ma14="http://schemas.microsoft.com/office/mac/drawingml/2011/main" xmlns="" val="1"/>
             </a:ext>
           </a:extLst>
         </p:spPr>
@@ -2823,7 +2823,7 @@
             <a:fld id="{8008DD98-D290-1944-9E3C-A008DC37D5BB}" type="datetimeFigureOut">
               <a:rPr lang="zh-CN" altLang="en-US"/>
               <a:pPr/>
-              <a:t>2017/9/14</a:t>
+              <a:t>2017/9/15</a:t>
             </a:fld>
             <a:endParaRPr lang="zh-CN" altLang="en-US"/>
           </a:p>
@@ -2870,7 +2870,7 @@
               </a14:hiddenLine>
             </a:ext>
             <a:ext uri="{FAA26D3D-D897-4be2-8F04-BA451C77F1D7}">
-              <ma14:placeholderFlag xmlns="" xmlns:ma14="http://schemas.microsoft.com/office/mac/drawingml/2011/main" val="1"/>
+              <ma14:placeholderFlag xmlns:ma14="http://schemas.microsoft.com/office/mac/drawingml/2011/main" xmlns="" val="1"/>
             </a:ext>
           </a:extLst>
         </p:spPr>
@@ -2935,7 +2935,7 @@
               </a14:hiddenLine>
             </a:ext>
             <a:ext uri="{FAA26D3D-D897-4be2-8F04-BA451C77F1D7}">
-              <ma14:placeholderFlag xmlns="" xmlns:ma14="http://schemas.microsoft.com/office/mac/drawingml/2011/main" val="1"/>
+              <ma14:placeholderFlag xmlns:ma14="http://schemas.microsoft.com/office/mac/drawingml/2011/main" xmlns="" val="1"/>
             </a:ext>
           </a:extLst>
         </p:spPr>
@@ -4566,7 +4566,7 @@
         <p:spPr>
           <a:xfrm>
             <a:off x="7062717" y="1726374"/>
-            <a:ext cx="1814660" cy="1569660"/>
+            <a:ext cx="1814660" cy="1731693"/>
           </a:xfrm>
           <a:prstGeom prst="rect">
             <a:avLst/>
@@ -4586,6 +4586,17 @@
               <a:buChar char="•"/>
             </a:pPr>
             <a:r>
+              <a:rPr lang="zh-CN" altLang="en-US" sz="800" b="1" dirty="0">
+                <a:solidFill>
+                  <a:schemeClr val="bg1"/>
+                </a:solidFill>
+                <a:latin typeface="微軟正黑體" panose="020B0604030504040204" pitchFamily="34" charset="-120"/>
+                <a:ea typeface="微軟正黑體" panose="020B0604030504040204" pitchFamily="34" charset="-120"/>
+                <a:cs typeface="Lantinghei SC Extralight" charset="-122"/>
+              </a:rPr>
+              <a:t>*</a:t>
+            </a:r>
+            <a:r>
               <a:rPr lang="en-US" altLang="zh-CN" sz="800" b="1" dirty="0">
                 <a:solidFill>
                   <a:schemeClr val="bg1"/>
@@ -4594,6 +4605,28 @@
                 <a:ea typeface="微軟正黑體" panose="020B0604030504040204" pitchFamily="34" charset="-120"/>
                 <a:cs typeface="Lantinghei SC Extralight" charset="-122"/>
               </a:rPr>
+              <a:t>2017</a:t>
+            </a:r>
+            <a:r>
+              <a:rPr lang="zh-CN" altLang="en-US" sz="800" b="1" dirty="0">
+                <a:solidFill>
+                  <a:schemeClr val="bg1"/>
+                </a:solidFill>
+                <a:latin typeface="微軟正黑體" panose="020B0604030504040204" pitchFamily="34" charset="-120"/>
+                <a:ea typeface="微軟正黑體" panose="020B0604030504040204" pitchFamily="34" charset="-120"/>
+                <a:cs typeface="Lantinghei SC Extralight" charset="-122"/>
+              </a:rPr>
+              <a:t>清华</a:t>
+            </a:r>
+            <a:r>
+              <a:rPr lang="en-US" altLang="zh-CN" sz="800" b="1" dirty="0">
+                <a:solidFill>
+                  <a:schemeClr val="bg1"/>
+                </a:solidFill>
+                <a:latin typeface="微軟正黑體" panose="020B0604030504040204" pitchFamily="34" charset="-120"/>
+                <a:ea typeface="微軟正黑體" panose="020B0604030504040204" pitchFamily="34" charset="-120"/>
+                <a:cs typeface="Lantinghei SC Extralight" charset="-122"/>
+              </a:rPr>
               <a:t>MEM</a:t>
             </a:r>
             <a:r>
@@ -4605,16 +4638,8 @@
                 <a:ea typeface="微軟正黑體" panose="020B0604030504040204" pitchFamily="34" charset="-120"/>
                 <a:cs typeface="Lantinghei SC Extralight" charset="-122"/>
               </a:rPr>
-              <a:t>学生</a:t>
-            </a:r>
-            <a:endParaRPr lang="en-US" altLang="zh-CN" sz="800" b="1" dirty="0">
-              <a:solidFill>
-                <a:schemeClr val="bg1"/>
-              </a:solidFill>
-              <a:latin typeface="微軟正黑體" panose="020B0604030504040204" pitchFamily="34" charset="-120"/>
-              <a:ea typeface="微軟正黑體" panose="020B0604030504040204" pitchFamily="34" charset="-120"/>
-              <a:cs typeface="Lantinghei SC Extralight" charset="-122"/>
-            </a:endParaRPr>
+              <a:t>入学新生。</a:t>
+            </a:r>
           </a:p>
           <a:p>
             <a:pPr marL="214313" lvl="1" indent="-214313">
@@ -4633,16 +4658,8 @@
                 <a:ea typeface="微軟正黑體" panose="020B0604030504040204" pitchFamily="34" charset="-120"/>
                 <a:cs typeface="Lantinghei SC Extralight" charset="-122"/>
               </a:rPr>
-              <a:t>社群画布指导书</a:t>
-            </a:r>
-            <a:endParaRPr lang="en-US" altLang="zh-CN" sz="800" b="1" dirty="0">
-              <a:solidFill>
-                <a:schemeClr val="bg1"/>
-              </a:solidFill>
-              <a:latin typeface="微軟正黑體" panose="020B0604030504040204" pitchFamily="34" charset="-120"/>
-              <a:ea typeface="微軟正黑體" panose="020B0604030504040204" pitchFamily="34" charset="-120"/>
-              <a:cs typeface="Lantinghei SC Extralight" charset="-122"/>
-            </a:endParaRPr>
+              <a:t>*参考资料。</a:t>
+            </a:r>
           </a:p>
           <a:p>
             <a:pPr marL="214313" lvl="1" indent="-214313">
@@ -4661,16 +4678,52 @@
                 <a:ea typeface="微軟正黑體" panose="020B0604030504040204" pitchFamily="34" charset="-120"/>
                 <a:cs typeface="Lantinghei SC Extralight" charset="-122"/>
               </a:rPr>
-              <a:t>其他逻辑模型</a:t>
-            </a:r>
-            <a:endParaRPr lang="en-US" altLang="zh-CN" sz="800" b="1" dirty="0">
-              <a:solidFill>
-                <a:schemeClr val="bg1"/>
-              </a:solidFill>
-              <a:latin typeface="微軟正黑體" panose="020B0604030504040204" pitchFamily="34" charset="-120"/>
-              <a:ea typeface="微軟正黑體" panose="020B0604030504040204" pitchFamily="34" charset="-120"/>
-              <a:cs typeface="Lantinghei SC Extralight" charset="-122"/>
-            </a:endParaRPr>
+              <a:t>**参考阅读：</a:t>
+            </a:r>
+            <a:r>
+              <a:rPr lang="en-US" altLang="zh-CN" sz="800" b="1" dirty="0">
+                <a:solidFill>
+                  <a:schemeClr val="bg1"/>
+                </a:solidFill>
+                <a:latin typeface="微軟正黑體" panose="020B0604030504040204" pitchFamily="34" charset="-120"/>
+                <a:ea typeface="微軟正黑體" panose="020B0604030504040204" pitchFamily="34" charset="-120"/>
+                <a:cs typeface="Lantinghei SC Extralight" charset="-122"/>
+              </a:rPr>
+              <a:t>2017</a:t>
+            </a:r>
+            <a:r>
+              <a:rPr lang="zh-CN" altLang="en-US" sz="800" b="1" dirty="0">
+                <a:solidFill>
+                  <a:schemeClr val="bg1"/>
+                </a:solidFill>
+                <a:latin typeface="微軟正黑體" panose="020B0604030504040204" pitchFamily="34" charset="-120"/>
+                <a:ea typeface="微軟正黑體" panose="020B0604030504040204" pitchFamily="34" charset="-120"/>
+                <a:cs typeface="Lantinghei SC Extralight" charset="-122"/>
+              </a:rPr>
+              <a:t>级社群画布指导书译文版、</a:t>
+            </a:r>
+            <a:r>
+              <a:rPr lang="en-US" altLang="zh-CN" sz="800" b="1" dirty="0">
+                <a:solidFill>
+                  <a:schemeClr val="bg1"/>
+                </a:solidFill>
+                <a:latin typeface="微軟正黑體" panose="020B0604030504040204" pitchFamily="34" charset="-120"/>
+                <a:ea typeface="微軟正黑體" panose="020B0604030504040204" pitchFamily="34" charset="-120"/>
+                <a:cs typeface="Lantinghei SC Extralight" charset="-122"/>
+              </a:rPr>
+              <a:t>2016</a:t>
+            </a:r>
+            <a:r>
+              <a:rPr lang="zh-CN" altLang="en-US" sz="800" b="1" dirty="0">
+                <a:solidFill>
+                  <a:schemeClr val="bg1"/>
+                </a:solidFill>
+                <a:latin typeface="微軟正黑體" panose="020B0604030504040204" pitchFamily="34" charset="-120"/>
+                <a:ea typeface="微軟正黑體" panose="020B0604030504040204" pitchFamily="34" charset="-120"/>
+                <a:cs typeface="Lantinghei SC Extralight" charset="-122"/>
+              </a:rPr>
+              <a:t>级合弄制中文版等。</a:t>
+            </a:r>
           </a:p>
           <a:p>
             <a:pPr marL="214313" lvl="1" indent="-214313">
@@ -4681,17 +4734,6 @@
               <a:buChar char="•"/>
             </a:pPr>
             <a:r>
-              <a:rPr lang="en-US" altLang="zh-CN" sz="800" b="1" dirty="0">
-                <a:solidFill>
-                  <a:schemeClr val="bg1"/>
-                </a:solidFill>
-                <a:latin typeface="微軟正黑體" panose="020B0604030504040204" pitchFamily="34" charset="-120"/>
-                <a:ea typeface="微軟正黑體" panose="020B0604030504040204" pitchFamily="34" charset="-120"/>
-                <a:cs typeface="Lantinghei SC Extralight" charset="-122"/>
-              </a:rPr>
-              <a:t>WIKI</a:t>
-            </a:r>
-            <a:r>
               <a:rPr lang="zh-CN" altLang="en-US" sz="800" b="1" dirty="0">
                 <a:solidFill>
                   <a:schemeClr val="bg1"/>
@@ -4700,38 +4742,8 @@
                 <a:ea typeface="微軟正黑體" panose="020B0604030504040204" pitchFamily="34" charset="-120"/>
                 <a:cs typeface="Lantinghei SC Extralight" charset="-122"/>
               </a:rPr>
-              <a:t>，</a:t>
-            </a:r>
-            <a:r>
-              <a:rPr lang="en-US" altLang="zh-CN" sz="800" b="1" dirty="0">
-                <a:solidFill>
-                  <a:schemeClr val="bg1"/>
-                </a:solidFill>
-                <a:latin typeface="微軟正黑體" panose="020B0604030504040204" pitchFamily="34" charset="-120"/>
-                <a:ea typeface="微軟正黑體" panose="020B0604030504040204" pitchFamily="34" charset="-120"/>
-                <a:cs typeface="Lantinghei SC Extralight" charset="-122"/>
-              </a:rPr>
-              <a:t>GIT</a:t>
-            </a:r>
-            <a:r>
-              <a:rPr lang="zh-CN" altLang="en-US" sz="800" b="1" dirty="0">
-                <a:solidFill>
-                  <a:schemeClr val="bg1"/>
-                </a:solidFill>
-                <a:latin typeface="微軟正黑體" panose="020B0604030504040204" pitchFamily="34" charset="-120"/>
-                <a:ea typeface="微軟正黑體" panose="020B0604030504040204" pitchFamily="34" charset="-120"/>
-                <a:cs typeface="Lantinghei SC Extralight" charset="-122"/>
-              </a:rPr>
-              <a:t>工具</a:t>
-            </a:r>
-            <a:endParaRPr lang="en-US" altLang="zh-CN" sz="800" b="1" dirty="0">
-              <a:solidFill>
-                <a:schemeClr val="bg1"/>
-              </a:solidFill>
-              <a:latin typeface="微軟正黑體" panose="020B0604030504040204" pitchFamily="34" charset="-120"/>
-              <a:ea typeface="微軟正黑體" panose="020B0604030504040204" pitchFamily="34" charset="-120"/>
-              <a:cs typeface="Lantinghei SC Extralight" charset="-122"/>
-            </a:endParaRPr>
+              <a:t>**学员兴趣、优势收集。</a:t>
+            </a:r>
           </a:p>
           <a:p>
             <a:pPr marL="214313" lvl="1" indent="-214313">
@@ -4750,16 +4762,30 @@
                 <a:ea typeface="微軟正黑體" panose="020B0604030504040204" pitchFamily="34" charset="-120"/>
                 <a:cs typeface="Lantinghei SC Extralight" charset="-122"/>
               </a:rPr>
-              <a:t>校内图书馆</a:t>
-            </a:r>
-            <a:endParaRPr lang="en-US" altLang="zh-CN" sz="800" b="1" dirty="0">
-              <a:solidFill>
-                <a:schemeClr val="bg1"/>
-              </a:solidFill>
-              <a:latin typeface="微軟正黑體" panose="020B0604030504040204" pitchFamily="34" charset="-120"/>
-              <a:ea typeface="微軟正黑體" panose="020B0604030504040204" pitchFamily="34" charset="-120"/>
-              <a:cs typeface="Lantinghei SC Extralight" charset="-122"/>
-            </a:endParaRPr>
+              <a:t>**软件支持：</a:t>
+            </a:r>
+            <a:r>
+              <a:rPr lang="en-US" altLang="zh-CN" sz="800" b="1" dirty="0">
+                <a:solidFill>
+                  <a:schemeClr val="bg1"/>
+                </a:solidFill>
+                <a:latin typeface="微軟正黑體" panose="020B0604030504040204" pitchFamily="34" charset="-120"/>
+                <a:ea typeface="微軟正黑體" panose="020B0604030504040204" pitchFamily="34" charset="-120"/>
+                <a:cs typeface="Lantinghei SC Extralight" charset="-122"/>
+              </a:rPr>
+              <a:t>wiki</a:t>
+            </a:r>
+            <a:r>
+              <a:rPr lang="zh-CN" altLang="en-US" sz="800" b="1" dirty="0">
+                <a:solidFill>
+                  <a:schemeClr val="bg1"/>
+                </a:solidFill>
+                <a:latin typeface="微軟正黑體" panose="020B0604030504040204" pitchFamily="34" charset="-120"/>
+                <a:ea typeface="微軟正黑體" panose="020B0604030504040204" pitchFamily="34" charset="-120"/>
+                <a:cs typeface="Lantinghei SC Extralight" charset="-122"/>
+              </a:rPr>
+              <a:t>。</a:t>
+            </a:r>
           </a:p>
           <a:p>
             <a:pPr marL="214313" lvl="1" indent="-214313">
@@ -4778,25 +4804,19 @@
                 <a:ea typeface="微軟正黑體" panose="020B0604030504040204" pitchFamily="34" charset="-120"/>
                 <a:cs typeface="Lantinghei SC Extralight" charset="-122"/>
               </a:rPr>
-              <a:t>导师、助教</a:t>
-            </a:r>
-            <a:endParaRPr lang="en-US" altLang="zh-CN" sz="800" b="1" dirty="0">
-              <a:solidFill>
-                <a:schemeClr val="bg1"/>
-              </a:solidFill>
-              <a:latin typeface="微軟正黑體" panose="020B0604030504040204" pitchFamily="34" charset="-120"/>
-              <a:ea typeface="微軟正黑體" panose="020B0604030504040204" pitchFamily="34" charset="-120"/>
-              <a:cs typeface="Lantinghei SC Extralight" charset="-122"/>
-            </a:endParaRPr>
-          </a:p>
-          <a:p>
-            <a:pPr marL="214313" lvl="1" indent="-214313">
-              <a:lnSpc>
-                <a:spcPct val="150000"/>
-              </a:lnSpc>
-              <a:buFont typeface="Arial" panose="020B0604020202020204" pitchFamily="34" charset="0"/>
-              <a:buChar char="•"/>
-            </a:pPr>
+              <a:t>**环境：现场教学环境</a:t>
+            </a:r>
+            <a:r>
+              <a:rPr lang="zh-CN" altLang="en-US" sz="800" b="1" dirty="0" smtClean="0">
+                <a:solidFill>
+                  <a:schemeClr val="bg1"/>
+                </a:solidFill>
+                <a:latin typeface="微軟正黑體" panose="020B0604030504040204" pitchFamily="34" charset="-120"/>
+                <a:ea typeface="微軟正黑體" panose="020B0604030504040204" pitchFamily="34" charset="-120"/>
+                <a:cs typeface="Lantinghei SC Extralight" charset="-122"/>
+              </a:rPr>
+              <a:t>。</a:t>
+            </a:r>
             <a:endParaRPr lang="zh-CN" altLang="en-US" sz="800" b="1" dirty="0">
               <a:solidFill>
                 <a:schemeClr val="bg1"/>
@@ -4834,7 +4854,7 @@
         <p:spPr>
           <a:xfrm>
             <a:off x="5179693" y="1727091"/>
-            <a:ext cx="1883023" cy="830997"/>
+            <a:ext cx="1883023" cy="1274195"/>
           </a:xfrm>
           <a:prstGeom prst="rect">
             <a:avLst/>
@@ -4863,7 +4883,260 @@
                 <a:ea typeface="微軟正黑體" panose="020B0604030504040204" pitchFamily="34" charset="-120"/>
                 <a:cs typeface="Lantinghei SC Extralight" charset="-122"/>
               </a:rPr>
-              <a:t>讨论宪章逻辑结构</a:t>
+              <a:t>合弄</a:t>
+            </a:r>
+            <a:r>
+              <a:rPr lang="zh-CN" altLang="en-US" sz="800" b="1" dirty="0" smtClean="0">
+                <a:solidFill>
+                  <a:schemeClr val="bg1"/>
+                </a:solidFill>
+                <a:latin typeface="微軟正黑體" panose="020B0604030504040204" pitchFamily="34" charset="-120"/>
+                <a:ea typeface="微軟正黑體" panose="020B0604030504040204" pitchFamily="34" charset="-120"/>
+                <a:cs typeface="Lantinghei SC Extralight" charset="-122"/>
+              </a:rPr>
+              <a:t>制、社群画布讨论</a:t>
+            </a:r>
+            <a:endParaRPr lang="en-US" altLang="zh-CN" sz="800" b="1" dirty="0" smtClean="0">
+              <a:solidFill>
+                <a:schemeClr val="bg1"/>
+              </a:solidFill>
+              <a:latin typeface="微軟正黑體" panose="020B0604030504040204" pitchFamily="34" charset="-120"/>
+              <a:ea typeface="微軟正黑體" panose="020B0604030504040204" pitchFamily="34" charset="-120"/>
+              <a:cs typeface="Lantinghei SC Extralight" charset="-122"/>
+            </a:endParaRPr>
+          </a:p>
+          <a:p>
+            <a:pPr marL="88900" indent="-88900">
+              <a:lnSpc>
+                <a:spcPct val="120000"/>
+              </a:lnSpc>
+              <a:buFont typeface="Arial" panose="020B0604020202020204" pitchFamily="34" charset="0"/>
+              <a:buChar char="•"/>
+            </a:pPr>
+            <a:r>
+              <a:rPr lang="zh-CN" altLang="en-US" sz="800" b="1" dirty="0" smtClean="0">
+                <a:solidFill>
+                  <a:schemeClr val="bg1"/>
+                </a:solidFill>
+                <a:latin typeface="微軟正黑體" panose="020B0604030504040204" pitchFamily="34" charset="-120"/>
+                <a:ea typeface="微軟正黑體" panose="020B0604030504040204" pitchFamily="34" charset="-120"/>
+                <a:cs typeface="Lantinghei SC Extralight" charset="-122"/>
+              </a:rPr>
+              <a:t>*</a:t>
+            </a:r>
+            <a:r>
+              <a:rPr lang="zh-CN" altLang="en-US" sz="800" b="1" dirty="0">
+                <a:solidFill>
+                  <a:schemeClr val="bg1"/>
+                </a:solidFill>
+                <a:latin typeface="微軟正黑體" panose="020B0604030504040204" pitchFamily="34" charset="-120"/>
+                <a:ea typeface="微軟正黑體" panose="020B0604030504040204" pitchFamily="34" charset="-120"/>
+                <a:cs typeface="Lantinghei SC Extralight" charset="-122"/>
+              </a:rPr>
+              <a:t>宪章架构搭建、内部逻辑关系及其内容概述。</a:t>
+            </a:r>
+          </a:p>
+          <a:p>
+            <a:pPr marL="88900" indent="-88900">
+              <a:lnSpc>
+                <a:spcPct val="120000"/>
+              </a:lnSpc>
+              <a:buFont typeface="Arial" panose="020B0604020202020204" pitchFamily="34" charset="0"/>
+              <a:buChar char="•"/>
+            </a:pPr>
+            <a:r>
+              <a:rPr lang="zh-CN" altLang="en-US" sz="800" b="1" dirty="0">
+                <a:solidFill>
+                  <a:schemeClr val="bg1"/>
+                </a:solidFill>
+                <a:latin typeface="微軟正黑體" panose="020B0604030504040204" pitchFamily="34" charset="-120"/>
+                <a:ea typeface="微軟正黑體" panose="020B0604030504040204" pitchFamily="34" charset="-120"/>
+                <a:cs typeface="Lantinghei SC Extralight" charset="-122"/>
+              </a:rPr>
+              <a:t>*各模块内容的细则分解。</a:t>
+            </a:r>
+          </a:p>
+          <a:p>
+            <a:pPr marL="88900" indent="-88900">
+              <a:lnSpc>
+                <a:spcPct val="120000"/>
+              </a:lnSpc>
+              <a:buFont typeface="Arial" panose="020B0604020202020204" pitchFamily="34" charset="0"/>
+              <a:buChar char="•"/>
+            </a:pPr>
+            <a:r>
+              <a:rPr lang="zh-CN" altLang="en-US" sz="800" b="1" dirty="0">
+                <a:solidFill>
+                  <a:schemeClr val="bg1"/>
+                </a:solidFill>
+                <a:latin typeface="微軟正黑體" panose="020B0604030504040204" pitchFamily="34" charset="-120"/>
+                <a:ea typeface="微軟正黑體" panose="020B0604030504040204" pitchFamily="34" charset="-120"/>
+                <a:cs typeface="Lantinghei SC Extralight" charset="-122"/>
+              </a:rPr>
+              <a:t>*各模块内容的整合，完成宪章初版。</a:t>
+            </a:r>
+          </a:p>
+          <a:p>
+            <a:pPr marL="88900" indent="-88900">
+              <a:lnSpc>
+                <a:spcPct val="120000"/>
+              </a:lnSpc>
+              <a:buFont typeface="Arial" panose="020B0604020202020204" pitchFamily="34" charset="0"/>
+              <a:buChar char="•"/>
+            </a:pPr>
+            <a:r>
+              <a:rPr lang="zh-CN" altLang="en-US" sz="800" b="1" dirty="0">
+                <a:solidFill>
+                  <a:schemeClr val="bg1"/>
+                </a:solidFill>
+                <a:latin typeface="微軟正黑體" panose="020B0604030504040204" pitchFamily="34" charset="-120"/>
+                <a:ea typeface="微軟正黑體" panose="020B0604030504040204" pitchFamily="34" charset="-120"/>
+                <a:cs typeface="Lantinghei SC Extralight" charset="-122"/>
+              </a:rPr>
+              <a:t>*宪章的修订，小组评审。</a:t>
+            </a:r>
+          </a:p>
+          <a:p>
+            <a:pPr marL="88900" indent="-88900">
+              <a:lnSpc>
+                <a:spcPct val="120000"/>
+              </a:lnSpc>
+              <a:buFont typeface="Arial" panose="020B0604020202020204" pitchFamily="34" charset="0"/>
+              <a:buChar char="•"/>
+            </a:pPr>
+            <a:r>
+              <a:rPr lang="zh-CN" altLang="en-US" sz="800" b="1" dirty="0">
+                <a:solidFill>
+                  <a:schemeClr val="bg1"/>
+                </a:solidFill>
+                <a:latin typeface="微軟正黑體" panose="020B0604030504040204" pitchFamily="34" charset="-120"/>
+                <a:ea typeface="微軟正黑體" panose="020B0604030504040204" pitchFamily="34" charset="-120"/>
+                <a:cs typeface="Lantinghei SC Extralight" charset="-122"/>
+              </a:rPr>
+              <a:t>*班级评审。</a:t>
+            </a:r>
+            <a:endParaRPr lang="zh-CN" altLang="en-US" sz="800" b="1" dirty="0">
+              <a:solidFill>
+                <a:schemeClr val="bg1"/>
+              </a:solidFill>
+              <a:latin typeface="微軟正黑體" panose="020B0604030504040204" pitchFamily="34" charset="-120"/>
+              <a:ea typeface="微軟正黑體" panose="020B0604030504040204" pitchFamily="34" charset="-120"/>
+              <a:cs typeface="Lantinghei SC Extralight" charset="-122"/>
+            </a:endParaRPr>
+          </a:p>
+        </p:txBody>
+      </p:sp>
+      <p:sp>
+        <p:nvSpPr>
+          <p:cNvPr id="35" name="TextBox 25"/>
+          <p:cNvSpPr txBox="1"/>
+          <p:nvPr/>
+        </p:nvSpPr>
+        <p:spPr>
+          <a:xfrm>
+            <a:off x="3295934" y="1726722"/>
+            <a:ext cx="1883760" cy="535531"/>
+          </a:xfrm>
+          <a:prstGeom prst="rect">
+            <a:avLst/>
+          </a:prstGeom>
+          <a:noFill/>
+        </p:spPr>
+        <p:txBody>
+          <a:bodyPr wrap="square" rtlCol="0">
+            <a:spAutoFit/>
+          </a:bodyPr>
+          <a:lstStyle/>
+          <a:p>
+            <a:pPr marL="177800" indent="-177800">
+              <a:lnSpc>
+                <a:spcPct val="120000"/>
+              </a:lnSpc>
+              <a:buFont typeface="Arial" panose="020B0604020202020204" pitchFamily="34" charset="0"/>
+              <a:buChar char="•"/>
+            </a:pPr>
+            <a:r>
+              <a:rPr lang="en-US" altLang="zh-CN" sz="800" b="1" dirty="0">
+                <a:solidFill>
+                  <a:schemeClr val="bg1"/>
+                </a:solidFill>
+                <a:latin typeface="微軟正黑體" panose="020B0604030504040204" pitchFamily="34" charset="-120"/>
+                <a:ea typeface="微軟正黑體" panose="020B0604030504040204" pitchFamily="34" charset="-120"/>
+                <a:cs typeface="Lantinghei SC Extralight" charset="-122"/>
+              </a:rPr>
+              <a:t>2017</a:t>
+            </a:r>
+            <a:r>
+              <a:rPr lang="zh-CN" altLang="en-US" sz="800" b="1" dirty="0">
+                <a:solidFill>
+                  <a:schemeClr val="bg1"/>
+                </a:solidFill>
+                <a:latin typeface="微軟正黑體" panose="020B0604030504040204" pitchFamily="34" charset="-120"/>
+                <a:ea typeface="微軟正黑體" panose="020B0604030504040204" pitchFamily="34" charset="-120"/>
+                <a:cs typeface="Lantinghei SC Extralight" charset="-122"/>
+              </a:rPr>
+              <a:t>级清华</a:t>
+            </a:r>
+            <a:r>
+              <a:rPr lang="en-US" altLang="zh-CN" sz="800" b="1" dirty="0">
+                <a:solidFill>
+                  <a:schemeClr val="bg1"/>
+                </a:solidFill>
+                <a:latin typeface="微軟正黑體" panose="020B0604030504040204" pitchFamily="34" charset="-120"/>
+                <a:ea typeface="微軟正黑體" panose="020B0604030504040204" pitchFamily="34" charset="-120"/>
+                <a:cs typeface="Lantinghei SC Extralight" charset="-122"/>
+              </a:rPr>
+              <a:t>MEM</a:t>
+            </a:r>
+            <a:r>
+              <a:rPr lang="zh-CN" altLang="en-US" sz="800" b="1" dirty="0">
+                <a:solidFill>
+                  <a:schemeClr val="bg1"/>
+                </a:solidFill>
+                <a:latin typeface="微軟正黑體" panose="020B0604030504040204" pitchFamily="34" charset="-120"/>
+                <a:ea typeface="微軟正黑體" panose="020B0604030504040204" pitchFamily="34" charset="-120"/>
+                <a:cs typeface="Lantinghei SC Extralight" charset="-122"/>
+              </a:rPr>
+              <a:t>班级宪章，并且积累过程迭代版本</a:t>
+            </a:r>
+            <a:r>
+              <a:rPr lang="zh-CN" altLang="en-US" sz="800" b="1" dirty="0" smtClean="0">
+                <a:solidFill>
+                  <a:schemeClr val="bg1"/>
+                </a:solidFill>
+                <a:latin typeface="微軟正黑體" panose="020B0604030504040204" pitchFamily="34" charset="-120"/>
+                <a:ea typeface="微軟正黑體" panose="020B0604030504040204" pitchFamily="34" charset="-120"/>
+                <a:cs typeface="Lantinghei SC Extralight" charset="-122"/>
+              </a:rPr>
+              <a:t>。</a:t>
+            </a:r>
+            <a:endParaRPr lang="en-US" altLang="zh-CN" sz="800" b="1" dirty="0" smtClean="0">
+              <a:solidFill>
+                <a:schemeClr val="bg1"/>
+              </a:solidFill>
+              <a:latin typeface="微軟正黑體" panose="020B0604030504040204" pitchFamily="34" charset="-120"/>
+              <a:ea typeface="微軟正黑體" panose="020B0604030504040204" pitchFamily="34" charset="-120"/>
+              <a:cs typeface="Lantinghei SC Extralight" charset="-122"/>
+            </a:endParaRPr>
+          </a:p>
+          <a:p>
+            <a:pPr marL="177800" indent="-177800">
+              <a:lnSpc>
+                <a:spcPct val="120000"/>
+              </a:lnSpc>
+              <a:buFont typeface="Arial" panose="020B0604020202020204" pitchFamily="34" charset="0"/>
+              <a:buChar char="•"/>
+            </a:pPr>
+            <a:r>
+              <a:rPr lang="zh-CN" altLang="en-US" sz="800" b="1" dirty="0" smtClean="0">
+                <a:solidFill>
+                  <a:schemeClr val="bg1"/>
+                </a:solidFill>
+                <a:latin typeface="微軟正黑體" panose="020B0604030504040204" pitchFamily="34" charset="-120"/>
+                <a:ea typeface="微軟正黑體" panose="020B0604030504040204" pitchFamily="34" charset="-120"/>
+                <a:cs typeface="Lantinghei SC Extralight" charset="-122"/>
+              </a:rPr>
+              <a:t>按照宪章建立第一批示范社团。</a:t>
             </a:r>
             <a:endParaRPr lang="en-US" altLang="zh-CN" sz="800" b="1" dirty="0">
               <a:solidFill>
@@ -4874,8 +5147,31 @@
               <a:cs typeface="Lantinghei SC Extralight" charset="-122"/>
             </a:endParaRPr>
           </a:p>
-          <a:p>
-            <a:pPr marL="88900" indent="-88900">
+        </p:txBody>
+      </p:sp>
+      <p:sp>
+        <p:nvSpPr>
+          <p:cNvPr id="36" name="TextBox 27"/>
+          <p:cNvSpPr txBox="1"/>
+          <p:nvPr/>
+        </p:nvSpPr>
+        <p:spPr>
+          <a:xfrm>
+            <a:off x="1406058" y="1717609"/>
+            <a:ext cx="1889875" cy="2603790"/>
+          </a:xfrm>
+          <a:prstGeom prst="rect">
+            <a:avLst/>
+          </a:prstGeom>
+          <a:noFill/>
+        </p:spPr>
+        <p:txBody>
+          <a:bodyPr wrap="square" rtlCol="0">
+            <a:spAutoFit/>
+          </a:bodyPr>
+          <a:lstStyle/>
+          <a:p>
+            <a:pPr marL="214313" indent="-214313">
               <a:lnSpc>
                 <a:spcPct val="120000"/>
               </a:lnSpc>
@@ -4883,17 +5179,39 @@
               <a:buChar char="•"/>
             </a:pPr>
             <a:r>
-              <a:rPr lang="zh-CN" altLang="en-US" sz="800" b="1" dirty="0">
-                <a:solidFill>
-                  <a:schemeClr val="bg1"/>
-                </a:solidFill>
-                <a:latin typeface="微軟正黑體" panose="020B0604030504040204" pitchFamily="34" charset="-120"/>
-                <a:ea typeface="微軟正黑體" panose="020B0604030504040204" pitchFamily="34" charset="-120"/>
-                <a:cs typeface="Lantinghei SC Extralight" charset="-122"/>
-              </a:rPr>
-              <a:t>确认各模块内容</a:t>
-            </a:r>
-            <a:endParaRPr lang="en-US" altLang="zh-CN" sz="800" b="1" dirty="0">
+              <a:rPr lang="zh-CN" altLang="en-US" sz="800" b="1" dirty="0" smtClean="0">
+                <a:solidFill>
+                  <a:schemeClr val="bg1"/>
+                </a:solidFill>
+                <a:latin typeface="微軟正黑體" panose="020B0604030504040204" pitchFamily="34" charset="-120"/>
+                <a:ea typeface="微軟正黑體" panose="020B0604030504040204" pitchFamily="34" charset="-120"/>
+                <a:cs typeface="Lantinghei SC Extralight" charset="-122"/>
+              </a:rPr>
+              <a:t>全体</a:t>
+            </a:r>
+            <a:r>
+              <a:rPr lang="en-US" altLang="zh-CN" sz="800" b="1" dirty="0" smtClean="0">
+                <a:solidFill>
+                  <a:schemeClr val="bg1"/>
+                </a:solidFill>
+                <a:latin typeface="微軟正黑體" panose="020B0604030504040204" pitchFamily="34" charset="-120"/>
+                <a:ea typeface="微軟正黑體" panose="020B0604030504040204" pitchFamily="34" charset="-120"/>
+                <a:cs typeface="Lantinghei SC Extralight" charset="-122"/>
+              </a:rPr>
+              <a:t>MEM</a:t>
+            </a:r>
+            <a:r>
+              <a:rPr lang="zh-CN" altLang="en-US" sz="800" b="1" dirty="0" smtClean="0">
+                <a:solidFill>
+                  <a:schemeClr val="bg1"/>
+                </a:solidFill>
+                <a:latin typeface="微軟正黑體" panose="020B0604030504040204" pitchFamily="34" charset="-120"/>
+                <a:ea typeface="微軟正黑體" panose="020B0604030504040204" pitchFamily="34" charset="-120"/>
+                <a:cs typeface="Lantinghei SC Extralight" charset="-122"/>
+              </a:rPr>
+              <a:t>成员认同此宪章，自觉按照宪章组织社团活动，并积极对宪章提供更新意见。</a:t>
+            </a:r>
+            <a:endParaRPr lang="en-US" altLang="zh-CN" sz="800" b="1" dirty="0" smtClean="0">
               <a:solidFill>
                 <a:schemeClr val="bg1"/>
               </a:solidFill>
@@ -4903,7 +5221,7 @@
             </a:endParaRPr>
           </a:p>
           <a:p>
-            <a:pPr marL="88900" indent="-88900">
+            <a:pPr marL="214313" indent="-214313">
               <a:lnSpc>
                 <a:spcPct val="120000"/>
               </a:lnSpc>
@@ -4911,17 +5229,17 @@
               <a:buChar char="•"/>
             </a:pPr>
             <a:r>
-              <a:rPr lang="zh-CN" altLang="en-US" sz="800" b="1" dirty="0">
-                <a:solidFill>
-                  <a:schemeClr val="bg1"/>
-                </a:solidFill>
-                <a:latin typeface="微軟正黑體" panose="020B0604030504040204" pitchFamily="34" charset="-120"/>
-                <a:ea typeface="微軟正黑體" panose="020B0604030504040204" pitchFamily="34" charset="-120"/>
-                <a:cs typeface="Lantinghei SC Extralight" charset="-122"/>
-              </a:rPr>
-              <a:t>完成初版</a:t>
-            </a:r>
-            <a:endParaRPr lang="en-US" altLang="zh-CN" sz="800" b="1" dirty="0">
+              <a:rPr lang="zh-CN" altLang="en-US" sz="800" b="1" dirty="0" smtClean="0">
+                <a:solidFill>
+                  <a:schemeClr val="bg1"/>
+                </a:solidFill>
+                <a:latin typeface="微軟正黑體" panose="020B0604030504040204" pitchFamily="34" charset="-120"/>
+                <a:ea typeface="微軟正黑體" panose="020B0604030504040204" pitchFamily="34" charset="-120"/>
+                <a:cs typeface="Lantinghei SC Extralight" charset="-122"/>
+              </a:rPr>
+              <a:t>成为优秀示范宪章，为未来成为标准奠定实践基础。</a:t>
+            </a:r>
+            <a:endParaRPr lang="en-US" altLang="zh-CN" sz="800" b="1" dirty="0" smtClean="0">
               <a:solidFill>
                 <a:schemeClr val="bg1"/>
               </a:solidFill>
@@ -4931,156 +5249,6 @@
             </a:endParaRPr>
           </a:p>
           <a:p>
-            <a:pPr marL="88900" indent="-88900">
-              <a:lnSpc>
-                <a:spcPct val="120000"/>
-              </a:lnSpc>
-              <a:buFont typeface="Arial" panose="020B0604020202020204" pitchFamily="34" charset="0"/>
-              <a:buChar char="•"/>
-            </a:pPr>
-            <a:r>
-              <a:rPr lang="zh-CN" altLang="en-US" sz="800" b="1" dirty="0">
-                <a:solidFill>
-                  <a:schemeClr val="bg1"/>
-                </a:solidFill>
-                <a:latin typeface="微軟正黑體" panose="020B0604030504040204" pitchFamily="34" charset="-120"/>
-                <a:ea typeface="微軟正黑體" panose="020B0604030504040204" pitchFamily="34" charset="-120"/>
-                <a:cs typeface="Lantinghei SC Extralight" charset="-122"/>
-              </a:rPr>
-              <a:t>宪章修订，内部评审</a:t>
-            </a:r>
-            <a:endParaRPr lang="en-US" altLang="zh-CN" sz="800" b="1" dirty="0">
-              <a:solidFill>
-                <a:schemeClr val="bg1"/>
-              </a:solidFill>
-              <a:latin typeface="微軟正黑體" panose="020B0604030504040204" pitchFamily="34" charset="-120"/>
-              <a:ea typeface="微軟正黑體" panose="020B0604030504040204" pitchFamily="34" charset="-120"/>
-              <a:cs typeface="Lantinghei SC Extralight" charset="-122"/>
-            </a:endParaRPr>
-          </a:p>
-          <a:p>
-            <a:pPr marL="88900" indent="-88900">
-              <a:lnSpc>
-                <a:spcPct val="120000"/>
-              </a:lnSpc>
-              <a:buFont typeface="Arial" panose="020B0604020202020204" pitchFamily="34" charset="0"/>
-              <a:buChar char="•"/>
-            </a:pPr>
-            <a:r>
-              <a:rPr lang="zh-CN" altLang="en-US" sz="800" b="1" dirty="0">
-                <a:solidFill>
-                  <a:schemeClr val="bg1"/>
-                </a:solidFill>
-                <a:latin typeface="微軟正黑體" panose="020B0604030504040204" pitchFamily="34" charset="-120"/>
-                <a:ea typeface="微軟正黑體" panose="020B0604030504040204" pitchFamily="34" charset="-120"/>
-                <a:cs typeface="Lantinghei SC Extralight" charset="-122"/>
-              </a:rPr>
-              <a:t>形成发布版本</a:t>
-            </a:r>
-          </a:p>
-        </p:txBody>
-      </p:sp>
-      <p:sp>
-        <p:nvSpPr>
-          <p:cNvPr id="35" name="TextBox 25"/>
-          <p:cNvSpPr txBox="1"/>
-          <p:nvPr/>
-        </p:nvSpPr>
-        <p:spPr>
-          <a:xfrm>
-            <a:off x="3295934" y="1726722"/>
-            <a:ext cx="1883760" cy="387798"/>
-          </a:xfrm>
-          <a:prstGeom prst="rect">
-            <a:avLst/>
-          </a:prstGeom>
-          <a:noFill/>
-        </p:spPr>
-        <p:txBody>
-          <a:bodyPr wrap="square" rtlCol="0">
-            <a:spAutoFit/>
-          </a:bodyPr>
-          <a:lstStyle/>
-          <a:p>
-            <a:pPr marL="177800" indent="-177800">
-              <a:lnSpc>
-                <a:spcPct val="120000"/>
-              </a:lnSpc>
-              <a:buFont typeface="Arial" panose="020B0604020202020204" pitchFamily="34" charset="0"/>
-              <a:buChar char="•"/>
-            </a:pPr>
-            <a:r>
-              <a:rPr lang="zh-CN" altLang="en-US" sz="800" b="1" dirty="0">
-                <a:solidFill>
-                  <a:schemeClr val="bg1"/>
-                </a:solidFill>
-                <a:latin typeface="微軟正黑體" panose="020B0604030504040204" pitchFamily="34" charset="-120"/>
-                <a:ea typeface="微軟正黑體" panose="020B0604030504040204" pitchFamily="34" charset="-120"/>
-                <a:cs typeface="Lantinghei SC Extralight" charset="-122"/>
-              </a:rPr>
-              <a:t>班级宪章</a:t>
-            </a:r>
-            <a:endParaRPr lang="en-US" altLang="zh-CN" sz="800" b="1" dirty="0">
-              <a:solidFill>
-                <a:schemeClr val="bg1"/>
-              </a:solidFill>
-              <a:latin typeface="微軟正黑體" panose="020B0604030504040204" pitchFamily="34" charset="-120"/>
-              <a:ea typeface="微軟正黑體" panose="020B0604030504040204" pitchFamily="34" charset="-120"/>
-              <a:cs typeface="Lantinghei SC Extralight" charset="-122"/>
-            </a:endParaRPr>
-          </a:p>
-          <a:p>
-            <a:pPr marL="177800" indent="-177800">
-              <a:lnSpc>
-                <a:spcPct val="120000"/>
-              </a:lnSpc>
-              <a:buFont typeface="Arial" panose="020B0604020202020204" pitchFamily="34" charset="0"/>
-              <a:buChar char="•"/>
-            </a:pPr>
-            <a:r>
-              <a:rPr lang="zh-CN" altLang="en-US" sz="800" b="1" dirty="0">
-                <a:solidFill>
-                  <a:schemeClr val="bg1"/>
-                </a:solidFill>
-                <a:latin typeface="微軟正黑體" panose="020B0604030504040204" pitchFamily="34" charset="-120"/>
-                <a:ea typeface="微軟正黑體" panose="020B0604030504040204" pitchFamily="34" charset="-120"/>
-                <a:cs typeface="Lantinghei SC Extralight" charset="-122"/>
-              </a:rPr>
-              <a:t>积累迭代版本</a:t>
-            </a:r>
-            <a:endParaRPr lang="en-US" altLang="zh-CN" sz="800" b="1" dirty="0">
-              <a:solidFill>
-                <a:schemeClr val="bg1"/>
-              </a:solidFill>
-              <a:latin typeface="微軟正黑體" panose="020B0604030504040204" pitchFamily="34" charset="-120"/>
-              <a:ea typeface="微軟正黑體" panose="020B0604030504040204" pitchFamily="34" charset="-120"/>
-              <a:cs typeface="Lantinghei SC Extralight" charset="-122"/>
-            </a:endParaRPr>
-          </a:p>
-        </p:txBody>
-      </p:sp>
-      <p:sp>
-        <p:nvSpPr>
-          <p:cNvPr id="36" name="TextBox 27"/>
-          <p:cNvSpPr txBox="1"/>
-          <p:nvPr/>
-        </p:nvSpPr>
-        <p:spPr>
-          <a:xfrm>
-            <a:off x="1406058" y="1717609"/>
-            <a:ext cx="1889875" cy="683264"/>
-          </a:xfrm>
-          <a:prstGeom prst="rect">
-            <a:avLst/>
-          </a:prstGeom>
-          <a:noFill/>
-        </p:spPr>
-        <p:txBody>
-          <a:bodyPr wrap="square" rtlCol="0">
-            <a:spAutoFit/>
-          </a:bodyPr>
-          <a:lstStyle/>
-          <a:p>
             <a:pPr marL="214313" indent="-214313">
               <a:lnSpc>
                 <a:spcPct val="120000"/>
@@ -5089,6 +5257,28 @@
               <a:buChar char="•"/>
             </a:pPr>
             <a:r>
+              <a:rPr lang="zh-CN" altLang="en-US" sz="800" b="1" dirty="0" smtClean="0">
+                <a:solidFill>
+                  <a:schemeClr val="bg1"/>
+                </a:solidFill>
+                <a:latin typeface="微軟正黑體" panose="020B0604030504040204" pitchFamily="34" charset="-120"/>
+                <a:ea typeface="微軟正黑體" panose="020B0604030504040204" pitchFamily="34" charset="-120"/>
+                <a:cs typeface="Lantinghei SC Extralight" charset="-122"/>
+              </a:rPr>
+              <a:t>建立</a:t>
+            </a:r>
+            <a:r>
+              <a:rPr lang="en-US" altLang="zh-CN" sz="800" b="1" dirty="0">
+                <a:solidFill>
+                  <a:schemeClr val="bg1"/>
+                </a:solidFill>
+                <a:latin typeface="微軟正黑體" panose="020B0604030504040204" pitchFamily="34" charset="-120"/>
+                <a:ea typeface="微軟正黑體" panose="020B0604030504040204" pitchFamily="34" charset="-120"/>
+                <a:cs typeface="Lantinghei SC Extralight" charset="-122"/>
+              </a:rPr>
+              <a:t>MEM</a:t>
+            </a:r>
+            <a:r>
               <a:rPr lang="zh-CN" altLang="en-US" sz="800" b="1" dirty="0">
                 <a:solidFill>
                   <a:schemeClr val="bg1"/>
@@ -5097,16 +5287,52 @@
                 <a:ea typeface="微軟正黑體" panose="020B0604030504040204" pitchFamily="34" charset="-120"/>
                 <a:cs typeface="Lantinghei SC Extralight" charset="-122"/>
               </a:rPr>
-              <a:t>产学研项目的有效落地和实施。</a:t>
-            </a:r>
-            <a:endParaRPr lang="en-US" altLang="zh-CN" sz="800" b="1" dirty="0">
-              <a:solidFill>
-                <a:schemeClr val="bg1"/>
-              </a:solidFill>
-              <a:latin typeface="微軟正黑體" panose="020B0604030504040204" pitchFamily="34" charset="-120"/>
-              <a:ea typeface="微軟正黑體" panose="020B0604030504040204" pitchFamily="34" charset="-120"/>
-              <a:cs typeface="Lantinghei SC Extralight" charset="-122"/>
-            </a:endParaRPr>
+              <a:t>班级资源平台，当有需求时，能够迅速找到资源，并获得资源的有效支持。为</a:t>
+            </a:r>
+            <a:r>
+              <a:rPr lang="en-US" altLang="zh-CN" sz="800" b="1" dirty="0">
+                <a:solidFill>
+                  <a:schemeClr val="bg1"/>
+                </a:solidFill>
+                <a:latin typeface="微軟正黑體" panose="020B0604030504040204" pitchFamily="34" charset="-120"/>
+                <a:ea typeface="微軟正黑體" panose="020B0604030504040204" pitchFamily="34" charset="-120"/>
+                <a:cs typeface="Lantinghei SC Extralight" charset="-122"/>
+              </a:rPr>
+              <a:t>2017</a:t>
+            </a:r>
+            <a:r>
+              <a:rPr lang="zh-CN" altLang="en-US" sz="800" b="1" dirty="0">
+                <a:solidFill>
+                  <a:schemeClr val="bg1"/>
+                </a:solidFill>
+                <a:latin typeface="微軟正黑體" panose="020B0604030504040204" pitchFamily="34" charset="-120"/>
+                <a:ea typeface="微軟正黑體" panose="020B0604030504040204" pitchFamily="34" charset="-120"/>
+                <a:cs typeface="Lantinghei SC Extralight" charset="-122"/>
+              </a:rPr>
+              <a:t>级</a:t>
+            </a:r>
+            <a:r>
+              <a:rPr lang="en-US" altLang="zh-CN" sz="800" b="1" dirty="0">
+                <a:solidFill>
+                  <a:schemeClr val="bg1"/>
+                </a:solidFill>
+                <a:latin typeface="微軟正黑體" panose="020B0604030504040204" pitchFamily="34" charset="-120"/>
+                <a:ea typeface="微軟正黑體" panose="020B0604030504040204" pitchFamily="34" charset="-120"/>
+                <a:cs typeface="Lantinghei SC Extralight" charset="-122"/>
+              </a:rPr>
+              <a:t>MEM</a:t>
+            </a:r>
+            <a:r>
+              <a:rPr lang="zh-CN" altLang="en-US" sz="800" b="1" dirty="0">
+                <a:solidFill>
+                  <a:schemeClr val="bg1"/>
+                </a:solidFill>
+                <a:latin typeface="微軟正黑體" panose="020B0604030504040204" pitchFamily="34" charset="-120"/>
+                <a:ea typeface="微軟正黑體" panose="020B0604030504040204" pitchFamily="34" charset="-120"/>
+                <a:cs typeface="Lantinghei SC Extralight" charset="-122"/>
+              </a:rPr>
+              <a:t>新生形成可自我更新的社群网络提供规范。</a:t>
+            </a:r>
           </a:p>
           <a:p>
             <a:pPr marL="214313" indent="-214313">
@@ -5125,54 +5351,20 @@
                 <a:ea typeface="微軟正黑體" panose="020B0604030504040204" pitchFamily="34" charset="-120"/>
                 <a:cs typeface="Lantinghei SC Extralight" charset="-122"/>
               </a:rPr>
-              <a:t>输出优秀的工程管理人才</a:t>
-            </a:r>
-            <a:endParaRPr lang="en-US" altLang="zh-CN" sz="800" b="1" dirty="0">
-              <a:solidFill>
-                <a:schemeClr val="bg1"/>
-              </a:solidFill>
-              <a:latin typeface="微軟正黑體" panose="020B0604030504040204" pitchFamily="34" charset="-120"/>
-              <a:ea typeface="微軟正黑體" panose="020B0604030504040204" pitchFamily="34" charset="-120"/>
-              <a:cs typeface="Lantinghei SC Extralight" charset="-122"/>
-            </a:endParaRPr>
-          </a:p>
-          <a:p>
-            <a:pPr marL="214313" indent="-214313">
-              <a:lnSpc>
-                <a:spcPct val="120000"/>
-              </a:lnSpc>
-              <a:buFont typeface="Arial" panose="020B0604020202020204" pitchFamily="34" charset="0"/>
-              <a:buChar char="•"/>
-            </a:pPr>
-            <a:r>
-              <a:rPr lang="zh-CN" altLang="en-US" sz="800" b="1" dirty="0">
-                <a:solidFill>
-                  <a:schemeClr val="bg1"/>
-                </a:solidFill>
-                <a:latin typeface="微軟正黑體" panose="020B0604030504040204" pitchFamily="34" charset="-120"/>
-                <a:ea typeface="微軟正黑體" panose="020B0604030504040204" pitchFamily="34" charset="-120"/>
-                <a:cs typeface="Lantinghei SC Extralight" charset="-122"/>
-              </a:rPr>
-              <a:t>通过制度，建立资源共享平台。</a:t>
-            </a:r>
-            <a:endParaRPr lang="en-US" altLang="zh-CN" sz="800" b="1" dirty="0">
-              <a:solidFill>
-                <a:schemeClr val="bg1"/>
-              </a:solidFill>
-              <a:latin typeface="微軟正黑體" panose="020B0604030504040204" pitchFamily="34" charset="-120"/>
-              <a:ea typeface="微軟正黑體" panose="020B0604030504040204" pitchFamily="34" charset="-120"/>
-              <a:cs typeface="Lantinghei SC Extralight" charset="-122"/>
-            </a:endParaRPr>
-          </a:p>
-          <a:p>
-            <a:pPr marL="214313" indent="-214313">
-              <a:lnSpc>
-                <a:spcPct val="120000"/>
-              </a:lnSpc>
-              <a:buFont typeface="Arial" panose="020B0604020202020204" pitchFamily="34" charset="0"/>
-              <a:buChar char="•"/>
-            </a:pPr>
-            <a:endParaRPr lang="en-US" altLang="zh-CN" sz="800" b="1" dirty="0">
+              <a:t>*通过全球化、标准化的数据以及知识管理的工具，建立传承标准的学习工作流，以实现当有任务或者活动时，能够迅速找到合适的组织或成员，并按照流程在规定时间内按质按量完成任务或活动</a:t>
+            </a:r>
+            <a:r>
+              <a:rPr lang="zh-CN" altLang="en-US" sz="800" b="1" dirty="0" smtClean="0">
+                <a:solidFill>
+                  <a:schemeClr val="bg1"/>
+                </a:solidFill>
+                <a:latin typeface="微軟正黑體" panose="020B0604030504040204" pitchFamily="34" charset="-120"/>
+                <a:ea typeface="微軟正黑體" panose="020B0604030504040204" pitchFamily="34" charset="-120"/>
+                <a:cs typeface="Lantinghei SC Extralight" charset="-122"/>
+              </a:rPr>
+              <a:t>。</a:t>
+            </a:r>
+            <a:endParaRPr lang="zh-CN" altLang="en-US" sz="800" b="1" dirty="0">
               <a:solidFill>
                 <a:schemeClr val="bg1"/>
               </a:solidFill>
@@ -5214,10 +5406,8 @@
                 <a:ea typeface="微軟正黑體" panose="020B0604030504040204" pitchFamily="34" charset="-120"/>
                 <a:cs typeface="Lantinghei SC Extralight" charset="-122"/>
               </a:rPr>
-              <a:t>宏观：成为最具竞争力的国际化工程项目管理者、行业领导者或科技创业探路者，促进产学研的深度结合。</a:t>
-            </a:r>
-          </a:p>
-          <a:p>
+              <a:t>宏观</a:t>
+            </a:r>
             <a:r>
               <a:rPr lang="zh-CN" altLang="en-US" sz="800" b="1" dirty="0">
                 <a:solidFill>
@@ -5227,7 +5417,160 @@
                 <a:ea typeface="微軟正黑體" panose="020B0604030504040204" pitchFamily="34" charset="-120"/>
                 <a:cs typeface="Lantinghei SC Extralight" charset="-122"/>
               </a:rPr>
-              <a:t>中观：把班级打造成一个优秀的工程管理互助社群，促进清华及班级的资源共享。</a:t>
+              <a:t>：通过参加入学导引课</a:t>
+            </a:r>
+            <a:r>
+              <a:rPr lang="zh-CN" altLang="en-US" sz="800" b="1" dirty="0" smtClean="0">
+                <a:solidFill>
+                  <a:schemeClr val="bg1"/>
+                </a:solidFill>
+                <a:latin typeface="微軟正黑體" panose="020B0604030504040204" pitchFamily="34" charset="-120"/>
+                <a:ea typeface="微軟正黑體" panose="020B0604030504040204" pitchFamily="34" charset="-120"/>
+                <a:cs typeface="Lantinghei SC Extralight" charset="-122"/>
+              </a:rPr>
+              <a:t>，形成</a:t>
+            </a:r>
+            <a:r>
+              <a:rPr lang="en-US" altLang="zh-CN" sz="800" b="1" dirty="0" smtClean="0">
+                <a:solidFill>
+                  <a:schemeClr val="bg1"/>
+                </a:solidFill>
+                <a:latin typeface="微軟正黑體" panose="020B0604030504040204" pitchFamily="34" charset="-120"/>
+                <a:ea typeface="微軟正黑體" panose="020B0604030504040204" pitchFamily="34" charset="-120"/>
+                <a:cs typeface="Lantinghei SC Extralight" charset="-122"/>
+              </a:rPr>
+              <a:t>MEM</a:t>
+            </a:r>
+            <a:r>
+              <a:rPr lang="zh-CN" altLang="en-US" sz="800" b="1" dirty="0" smtClean="0">
+                <a:solidFill>
+                  <a:schemeClr val="bg1"/>
+                </a:solidFill>
+                <a:latin typeface="微軟正黑體" panose="020B0604030504040204" pitchFamily="34" charset="-120"/>
+                <a:ea typeface="微軟正黑體" panose="020B0604030504040204" pitchFamily="34" charset="-120"/>
+                <a:cs typeface="Lantinghei SC Extralight" charset="-122"/>
+              </a:rPr>
+              <a:t>班级宪章，也</a:t>
+            </a:r>
+            <a:r>
+              <a:rPr lang="zh-CN" altLang="en-US" sz="800" b="1" dirty="0">
+                <a:solidFill>
+                  <a:schemeClr val="bg1"/>
+                </a:solidFill>
+                <a:latin typeface="微軟正黑體" panose="020B0604030504040204" pitchFamily="34" charset="-120"/>
+                <a:ea typeface="微軟正黑體" panose="020B0604030504040204" pitchFamily="34" charset="-120"/>
+                <a:cs typeface="Lantinghei SC Extralight" charset="-122"/>
+              </a:rPr>
+              <a:t>为将来形成清华大学</a:t>
+            </a:r>
+            <a:r>
+              <a:rPr lang="en-US" altLang="zh-CN" sz="800" b="1" dirty="0">
+                <a:solidFill>
+                  <a:schemeClr val="bg1"/>
+                </a:solidFill>
+                <a:latin typeface="微軟正黑體" panose="020B0604030504040204" pitchFamily="34" charset="-120"/>
+                <a:ea typeface="微軟正黑體" panose="020B0604030504040204" pitchFamily="34" charset="-120"/>
+                <a:cs typeface="Lantinghei SC Extralight" charset="-122"/>
+              </a:rPr>
+              <a:t>MEM</a:t>
+            </a:r>
+            <a:r>
+              <a:rPr lang="zh-CN" altLang="en-US" sz="800" b="1" dirty="0">
+                <a:solidFill>
+                  <a:schemeClr val="bg1"/>
+                </a:solidFill>
+                <a:latin typeface="微軟正黑體" panose="020B0604030504040204" pitchFamily="34" charset="-120"/>
+                <a:ea typeface="微軟正黑體" panose="020B0604030504040204" pitchFamily="34" charset="-120"/>
+                <a:cs typeface="Lantinghei SC Extralight" charset="-122"/>
+              </a:rPr>
+              <a:t>宪章优化</a:t>
+            </a:r>
+            <a:r>
+              <a:rPr lang="en-US" altLang="zh-CN" sz="800" b="1" dirty="0">
+                <a:solidFill>
+                  <a:schemeClr val="bg1"/>
+                </a:solidFill>
+                <a:latin typeface="微軟正黑體" panose="020B0604030504040204" pitchFamily="34" charset="-120"/>
+                <a:ea typeface="微軟正黑體" panose="020B0604030504040204" pitchFamily="34" charset="-120"/>
+                <a:cs typeface="Lantinghei SC Extralight" charset="-122"/>
+              </a:rPr>
+              <a:t>MEM</a:t>
+            </a:r>
+            <a:r>
+              <a:rPr lang="zh-CN" altLang="en-US" sz="800" b="1" dirty="0">
+                <a:solidFill>
+                  <a:schemeClr val="bg1"/>
+                </a:solidFill>
+                <a:latin typeface="微軟正黑體" panose="020B0604030504040204" pitchFamily="34" charset="-120"/>
+                <a:ea typeface="微軟正黑體" panose="020B0604030504040204" pitchFamily="34" charset="-120"/>
+                <a:cs typeface="Lantinghei SC Extralight" charset="-122"/>
+              </a:rPr>
+              <a:t>资源利用和整合奠定好基础。</a:t>
+            </a:r>
+            <a:endParaRPr lang="zh-CN" altLang="en-US" sz="800" b="1" dirty="0">
+              <a:solidFill>
+                <a:schemeClr val="bg1"/>
+              </a:solidFill>
+              <a:latin typeface="微軟正黑體" panose="020B0604030504040204" pitchFamily="34" charset="-120"/>
+              <a:ea typeface="微軟正黑體" panose="020B0604030504040204" pitchFamily="34" charset="-120"/>
+              <a:cs typeface="Lantinghei SC Extralight" charset="-122"/>
+            </a:endParaRPr>
+          </a:p>
+          <a:p>
+            <a:r>
+              <a:rPr lang="zh-CN" altLang="en-US" sz="800" b="1" dirty="0">
+                <a:solidFill>
+                  <a:schemeClr val="bg1"/>
+                </a:solidFill>
+                <a:latin typeface="微軟正黑體" panose="020B0604030504040204" pitchFamily="34" charset="-120"/>
+                <a:ea typeface="微軟正黑體" panose="020B0604030504040204" pitchFamily="34" charset="-120"/>
+                <a:cs typeface="Lantinghei SC Extralight" charset="-122"/>
+              </a:rPr>
+              <a:t>中观</a:t>
+            </a:r>
+            <a:r>
+              <a:rPr lang="zh-CN" altLang="en-US" sz="800" b="1" dirty="0" smtClean="0">
+                <a:solidFill>
+                  <a:schemeClr val="bg1"/>
+                </a:solidFill>
+                <a:latin typeface="微軟正黑體" panose="020B0604030504040204" pitchFamily="34" charset="-120"/>
+                <a:ea typeface="微軟正黑體" panose="020B0604030504040204" pitchFamily="34" charset="-120"/>
+                <a:cs typeface="Lantinghei SC Extralight" charset="-122"/>
+              </a:rPr>
+              <a:t>：通过经历</a:t>
+            </a:r>
+            <a:r>
+              <a:rPr lang="zh-CN" altLang="en-US" sz="800" b="1" dirty="0">
+                <a:solidFill>
+                  <a:schemeClr val="bg1"/>
+                </a:solidFill>
+                <a:latin typeface="微軟正黑體" panose="020B0604030504040204" pitchFamily="34" charset="-120"/>
+                <a:ea typeface="微軟正黑體" panose="020B0604030504040204" pitchFamily="34" charset="-120"/>
+                <a:cs typeface="Lantinghei SC Extralight" charset="-122"/>
+              </a:rPr>
+              <a:t>认识清华、认识自己、清华与我、并且经过审阅同班同学的简历主页等</a:t>
+            </a:r>
+            <a:r>
+              <a:rPr lang="zh-CN" altLang="en-US" sz="800" b="1" dirty="0" smtClean="0">
+                <a:solidFill>
+                  <a:schemeClr val="bg1"/>
+                </a:solidFill>
+                <a:latin typeface="微軟正黑體" panose="020B0604030504040204" pitchFamily="34" charset="-120"/>
+                <a:ea typeface="微軟正黑體" panose="020B0604030504040204" pitchFamily="34" charset="-120"/>
+                <a:cs typeface="Lantinghei SC Extralight" charset="-122"/>
+              </a:rPr>
+              <a:t>过程完成</a:t>
+            </a:r>
+            <a:r>
+              <a:rPr lang="zh-CN" altLang="en-US" sz="800" b="1" dirty="0">
+                <a:solidFill>
+                  <a:schemeClr val="bg1"/>
+                </a:solidFill>
+                <a:latin typeface="微軟正黑體" panose="020B0604030504040204" pitchFamily="34" charset="-120"/>
+                <a:ea typeface="微軟正黑體" panose="020B0604030504040204" pitchFamily="34" charset="-120"/>
+                <a:cs typeface="Lantinghei SC Extralight" charset="-122"/>
+              </a:rPr>
+              <a:t>班级宪章的建立。</a:t>
             </a:r>
             <a:endParaRPr lang="en-US" altLang="zh-CN" sz="800" b="1" dirty="0">
               <a:solidFill>
@@ -5248,7 +5591,18 @@
                 <a:ea typeface="微軟正黑體" panose="020B0604030504040204" pitchFamily="34" charset="-120"/>
                 <a:cs typeface="Lantinghei SC Extralight" charset="-122"/>
               </a:rPr>
-              <a:t>微观：成为全体成员职业提升和事业发展、创业的平台。</a:t>
+              <a:t>微观</a:t>
+            </a:r>
+            <a:r>
+              <a:rPr lang="zh-CN" altLang="en-US" sz="800" b="1" dirty="0" smtClean="0">
+                <a:solidFill>
+                  <a:schemeClr val="bg1"/>
+                </a:solidFill>
+                <a:latin typeface="微軟正黑體" panose="020B0604030504040204" pitchFamily="34" charset="-120"/>
+                <a:ea typeface="微軟正黑體" panose="020B0604030504040204" pitchFamily="34" charset="-120"/>
+                <a:cs typeface="Lantinghei SC Extralight" charset="-122"/>
+              </a:rPr>
+              <a:t>：通过分批次、分班级讨论提交建议，依照合弄制、社群画布等方法完成宪章建立。</a:t>
             </a:r>
             <a:endParaRPr lang="en-US" altLang="zh-CN" sz="800" b="1" dirty="0">
               <a:solidFill>
@@ -5292,18 +5646,7 @@
                 <a:ea typeface="微軟正黑體" panose="020B0604030504040204" pitchFamily="34" charset="-120"/>
                 <a:cs typeface="Lantinghei SC Extralight" charset="-122"/>
               </a:rPr>
-              <a:t>宏观：</a:t>
-            </a:r>
-            <a:r>
-              <a:rPr lang="en-US" altLang="zh-CN" sz="800" b="1" dirty="0">
-                <a:solidFill>
-                  <a:schemeClr val="bg1"/>
-                </a:solidFill>
-                <a:latin typeface="微軟正黑體" panose="020B0604030504040204" pitchFamily="34" charset="-120"/>
-                <a:ea typeface="微軟正黑體" panose="020B0604030504040204" pitchFamily="34" charset="-120"/>
-                <a:cs typeface="Lantinghei SC Extralight" charset="-122"/>
-              </a:rPr>
-              <a:t>MEM </a:t>
+              <a:t>宏观</a:t>
             </a:r>
             <a:r>
               <a:rPr lang="zh-CN" altLang="en-US" sz="800" b="1" dirty="0">
@@ -5314,8 +5657,27 @@
                 <a:ea typeface="微軟正黑體" panose="020B0604030504040204" pitchFamily="34" charset="-120"/>
                 <a:cs typeface="Lantinghei SC Extralight" charset="-122"/>
               </a:rPr>
-              <a:t>培养未能有效的推动产学研的深度结合。</a:t>
-            </a:r>
+              <a:t>：清华大学工程管理硕士入学</a:t>
+            </a:r>
+            <a:r>
+              <a:rPr lang="zh-CN" altLang="en-US" sz="800" b="1" dirty="0" smtClean="0">
+                <a:solidFill>
+                  <a:schemeClr val="bg1"/>
+                </a:solidFill>
+                <a:latin typeface="微軟正黑體" panose="020B0604030504040204" pitchFamily="34" charset="-120"/>
+                <a:ea typeface="微軟正黑體" panose="020B0604030504040204" pitchFamily="34" charset="-120"/>
+                <a:cs typeface="Lantinghei SC Extralight" charset="-122"/>
+              </a:rPr>
+              <a:t>新生需要建立统一规则，已达到培养目标，搭建平台推动“产、学、研”深度融合。</a:t>
+            </a:r>
+            <a:endParaRPr lang="zh-CN" altLang="en-US" sz="800" b="1" dirty="0">
+              <a:solidFill>
+                <a:schemeClr val="bg1"/>
+              </a:solidFill>
+              <a:latin typeface="微軟正黑體" panose="020B0604030504040204" pitchFamily="34" charset="-120"/>
+              <a:ea typeface="微軟正黑體" panose="020B0604030504040204" pitchFamily="34" charset="-120"/>
+              <a:cs typeface="Lantinghei SC Extralight" charset="-122"/>
+            </a:endParaRPr>
           </a:p>
           <a:p>
             <a:r>
@@ -5327,7 +5689,18 @@
                 <a:ea typeface="微軟正黑體" panose="020B0604030504040204" pitchFamily="34" charset="-120"/>
                 <a:cs typeface="Lantinghei SC Extralight" charset="-122"/>
               </a:rPr>
-              <a:t>中观：没有建立完善的资源共享和互助制度。</a:t>
+              <a:t>中观</a:t>
+            </a:r>
+            <a:r>
+              <a:rPr lang="zh-CN" altLang="en-US" sz="800" b="1" dirty="0">
+                <a:solidFill>
+                  <a:schemeClr val="bg1"/>
+                </a:solidFill>
+                <a:latin typeface="微軟正黑體" panose="020B0604030504040204" pitchFamily="34" charset="-120"/>
+                <a:ea typeface="微軟正黑體" panose="020B0604030504040204" pitchFamily="34" charset="-120"/>
+                <a:cs typeface="Lantinghei SC Extralight" charset="-122"/>
+              </a:rPr>
+              <a:t>：清华大学工程管理硕士入学新生对清华大学的学习环境、学习方法、同学资源、平台网络资源尚未了解。</a:t>
             </a:r>
             <a:endParaRPr lang="en-US" altLang="zh-CN" sz="800" b="1" dirty="0">
               <a:solidFill>
@@ -5348,7 +5721,18 @@
                 <a:ea typeface="微軟正黑體" panose="020B0604030504040204" pitchFamily="34" charset="-120"/>
                 <a:cs typeface="Lantinghei SC Extralight" charset="-122"/>
               </a:rPr>
-              <a:t>微观：尚未有完善的制度对班级进行管理。</a:t>
+              <a:t>微观</a:t>
+            </a:r>
+            <a:r>
+              <a:rPr lang="zh-CN" altLang="en-US" sz="800" b="1" dirty="0">
+                <a:solidFill>
+                  <a:schemeClr val="bg1"/>
+                </a:solidFill>
+                <a:latin typeface="微軟正黑體" panose="020B0604030504040204" pitchFamily="34" charset="-120"/>
+                <a:ea typeface="微軟正黑體" panose="020B0604030504040204" pitchFamily="34" charset="-120"/>
+                <a:cs typeface="Lantinghei SC Extralight" charset="-122"/>
+              </a:rPr>
+              <a:t>：尚未有一套完整的流程和规范将清华大学工程管理硕士的资源进行有效的利用和整合。</a:t>
             </a:r>
             <a:endParaRPr lang="en-US" altLang="zh-CN" sz="800" b="1" dirty="0">
               <a:solidFill>
